--- a/designs/ReactNative and App Design Interfaces.pptx
+++ b/designs/ReactNative and App Design Interfaces.pptx
@@ -8,12 +8,12 @@
     <p:sldId id="259" r:id="rId2"/>
     <p:sldId id="258" r:id="rId3"/>
     <p:sldId id="257" r:id="rId4"/>
-    <p:sldId id="260" r:id="rId5"/>
-    <p:sldId id="261" r:id="rId6"/>
-    <p:sldId id="265" r:id="rId7"/>
-    <p:sldId id="262" r:id="rId8"/>
-    <p:sldId id="263" r:id="rId9"/>
-    <p:sldId id="264" r:id="rId10"/>
+    <p:sldId id="264" r:id="rId5"/>
+    <p:sldId id="260" r:id="rId6"/>
+    <p:sldId id="261" r:id="rId7"/>
+    <p:sldId id="265" r:id="rId8"/>
+    <p:sldId id="262" r:id="rId9"/>
+    <p:sldId id="263" r:id="rId10"/>
   </p:sldIdLst>
   <p:sldSz cx="12192000" cy="6858000"/>
   <p:notesSz cx="6858000" cy="9144000"/>
@@ -272,7 +272,7 @@
           <a:p>
             <a:fld id="{846CE7D5-CF57-46EF-B807-FDD0502418D4}" type="datetimeFigureOut">
               <a:rPr lang="en-US" smtClean="0"/>
-              <a:t>12/17/2021</a:t>
+              <a:t>4/25/23</a:t>
             </a:fld>
             <a:endParaRPr lang="en-US"/>
           </a:p>
@@ -440,7 +440,7 @@
           <a:p>
             <a:fld id="{846CE7D5-CF57-46EF-B807-FDD0502418D4}" type="datetimeFigureOut">
               <a:rPr lang="en-US" smtClean="0"/>
-              <a:t>12/17/2021</a:t>
+              <a:t>4/25/23</a:t>
             </a:fld>
             <a:endParaRPr lang="en-US"/>
           </a:p>
@@ -618,7 +618,7 @@
           <a:p>
             <a:fld id="{846CE7D5-CF57-46EF-B807-FDD0502418D4}" type="datetimeFigureOut">
               <a:rPr lang="en-US" smtClean="0"/>
-              <a:t>12/17/2021</a:t>
+              <a:t>4/25/23</a:t>
             </a:fld>
             <a:endParaRPr lang="en-US"/>
           </a:p>
@@ -786,7 +786,7 @@
           <a:p>
             <a:fld id="{846CE7D5-CF57-46EF-B807-FDD0502418D4}" type="datetimeFigureOut">
               <a:rPr lang="en-US" smtClean="0"/>
-              <a:t>12/17/2021</a:t>
+              <a:t>4/25/23</a:t>
             </a:fld>
             <a:endParaRPr lang="en-US"/>
           </a:p>
@@ -1031,7 +1031,7 @@
           <a:p>
             <a:fld id="{846CE7D5-CF57-46EF-B807-FDD0502418D4}" type="datetimeFigureOut">
               <a:rPr lang="en-US" smtClean="0"/>
-              <a:t>12/17/2021</a:t>
+              <a:t>4/25/23</a:t>
             </a:fld>
             <a:endParaRPr lang="en-US"/>
           </a:p>
@@ -1260,7 +1260,7 @@
           <a:p>
             <a:fld id="{846CE7D5-CF57-46EF-B807-FDD0502418D4}" type="datetimeFigureOut">
               <a:rPr lang="en-US" smtClean="0"/>
-              <a:t>12/17/2021</a:t>
+              <a:t>4/25/23</a:t>
             </a:fld>
             <a:endParaRPr lang="en-US"/>
           </a:p>
@@ -1624,7 +1624,7 @@
           <a:p>
             <a:fld id="{846CE7D5-CF57-46EF-B807-FDD0502418D4}" type="datetimeFigureOut">
               <a:rPr lang="en-US" smtClean="0"/>
-              <a:t>12/17/2021</a:t>
+              <a:t>4/25/23</a:t>
             </a:fld>
             <a:endParaRPr lang="en-US"/>
           </a:p>
@@ -1741,7 +1741,7 @@
           <a:p>
             <a:fld id="{846CE7D5-CF57-46EF-B807-FDD0502418D4}" type="datetimeFigureOut">
               <a:rPr lang="en-US" smtClean="0"/>
-              <a:t>12/17/2021</a:t>
+              <a:t>4/25/23</a:t>
             </a:fld>
             <a:endParaRPr lang="en-US"/>
           </a:p>
@@ -1836,7 +1836,7 @@
           <a:p>
             <a:fld id="{846CE7D5-CF57-46EF-B807-FDD0502418D4}" type="datetimeFigureOut">
               <a:rPr lang="en-US" smtClean="0"/>
-              <a:t>12/17/2021</a:t>
+              <a:t>4/25/23</a:t>
             </a:fld>
             <a:endParaRPr lang="en-US"/>
           </a:p>
@@ -2111,7 +2111,7 @@
           <a:p>
             <a:fld id="{846CE7D5-CF57-46EF-B807-FDD0502418D4}" type="datetimeFigureOut">
               <a:rPr lang="en-US" smtClean="0"/>
-              <a:t>12/17/2021</a:t>
+              <a:t>4/25/23</a:t>
             </a:fld>
             <a:endParaRPr lang="en-US"/>
           </a:p>
@@ -2366,7 +2366,7 @@
           <a:p>
             <a:fld id="{846CE7D5-CF57-46EF-B807-FDD0502418D4}" type="datetimeFigureOut">
               <a:rPr lang="en-US" smtClean="0"/>
-              <a:t>12/17/2021</a:t>
+              <a:t>4/25/23</a:t>
             </a:fld>
             <a:endParaRPr lang="en-US"/>
           </a:p>
@@ -2577,7 +2577,7 @@
           <a:p>
             <a:fld id="{846CE7D5-CF57-46EF-B807-FDD0502418D4}" type="datetimeFigureOut">
               <a:rPr lang="en-US" smtClean="0"/>
-              <a:t>12/17/2021</a:t>
+              <a:t>4/25/23</a:t>
             </a:fld>
             <a:endParaRPr lang="en-US"/>
           </a:p>
@@ -4035,14 +4035,7 @@
               <a:rPr lang="en-US">
                 <a:cs typeface="Calibri Light"/>
               </a:rPr>
-              <a:t>Role : </a:t>
-            </a:r>
-            <a:r>
-              <a:rPr lang="en-US">
-                <a:ea typeface="+mj-lt"/>
-                <a:cs typeface="+mj-lt"/>
-              </a:rPr>
-              <a:t>Team Member</a:t>
+              <a:t>Role : Team Member</a:t>
             </a:r>
             <a:endParaRPr lang="en-US"/>
           </a:p>
@@ -4073,7 +4066,7 @@
         </p:spPr>
         <p:txBody>
           <a:bodyPr vert="horz" lIns="91440" tIns="45720" rIns="91440" bIns="45720" rtlCol="0" anchor="t">
-            <a:normAutofit fontScale="92500" lnSpcReduction="10000"/>
+            <a:normAutofit/>
           </a:bodyPr>
           <a:lstStyle>
             <a:lvl1pPr marL="228600" indent="-228600" algn="l" defTabSz="914400" rtl="0" eaLnBrk="1" latinLnBrk="0" hangingPunct="1">
@@ -4244,17 +4237,8 @@
               <a:rPr lang="en-US">
                 <a:cs typeface="Calibri"/>
               </a:rPr>
-              <a:t>Initial react native project structure.</a:t>
-            </a:r>
-          </a:p>
-          <a:p>
-            <a:r>
-              <a:rPr lang="en-US">
-                <a:cs typeface="Calibri"/>
-              </a:rPr>
-              <a:t>Implemented Login &amp; Recipe detail screens.</a:t>
-            </a:r>
-            <a:endParaRPr lang="en-US"/>
+              <a:t>Implemented favorite screen as Home screen.</a:t>
+            </a:r>
           </a:p>
           <a:p>
             <a:r>
@@ -4262,7 +4246,7 @@
                 <a:ea typeface="+mn-lt"/>
                 <a:cs typeface="+mn-lt"/>
               </a:rPr>
-              <a:t>Coordinated with team for screen designs based on wireframes.</a:t>
+              <a:t>Contributed to creating and preparing “STRUCTURE” layer final documentation.</a:t>
             </a:r>
           </a:p>
           <a:p>
@@ -4271,52 +4255,20 @@
                 <a:ea typeface="+mn-lt"/>
                 <a:cs typeface="+mn-lt"/>
               </a:rPr>
-              <a:t>Setup firebase.</a:t>
+              <a:t>Prepare presentation.</a:t>
+            </a:r>
+          </a:p>
+          <a:p>
+            <a:r>
+              <a:rPr lang="en-US">
+                <a:ea typeface="+mn-lt"/>
+                <a:cs typeface="+mn-lt"/>
+              </a:rPr>
+              <a:t>Proofread of document.</a:t>
             </a:r>
             <a:endParaRPr lang="en-US">
               <a:cs typeface="Calibri"/>
             </a:endParaRPr>
-          </a:p>
-          <a:p>
-            <a:r>
-              <a:rPr lang="en-US">
-                <a:cs typeface="Calibri"/>
-              </a:rPr>
-              <a:t>Implemented Constants, Firebase config &amp; User Utils.</a:t>
-            </a:r>
-          </a:p>
-          <a:p>
-            <a:r>
-              <a:rPr lang="en-US">
-                <a:cs typeface="Calibri"/>
-              </a:rPr>
-              <a:t>Implemented Stack navigation &amp; bottom tab navigation.</a:t>
-            </a:r>
-          </a:p>
-          <a:p>
-            <a:r>
-              <a:rPr lang="en-US">
-                <a:cs typeface="Calibri"/>
-              </a:rPr>
-              <a:t>Implemented Sign In with email &amp; password with firebase.</a:t>
-            </a:r>
-            <a:endParaRPr lang="en-US"/>
-          </a:p>
-          <a:p>
-            <a:r>
-              <a:rPr lang="en-US">
-                <a:cs typeface="Calibri"/>
-              </a:rPr>
-              <a:t>Implemented share functionality of recipe.</a:t>
-            </a:r>
-          </a:p>
-          <a:p>
-            <a:r>
-              <a:rPr lang="en-US">
-                <a:cs typeface="Calibri"/>
-              </a:rPr>
-              <a:t>Use Async storage for checking user is currently logged in or not.</a:t>
-            </a:r>
           </a:p>
         </p:txBody>
       </p:sp>
@@ -4334,8 +4286,8 @@
         </p:nvSpPr>
         <p:spPr>
           <a:xfrm>
-            <a:off x="8548778" y="6133380"/>
-            <a:ext cx="3519577" cy="584775"/>
+            <a:off x="6492816" y="6133380"/>
+            <a:ext cx="5575539" cy="584775"/>
           </a:xfrm>
           <a:prstGeom prst="rect">
             <a:avLst/>
@@ -4445,12 +4397,16 @@
             </a:lvl9pPr>
           </a:lstStyle>
           <a:p>
-            <a:pPr lvl="1" algn="ctr"/>
+            <a:pPr lvl="1" algn="r"/>
             <a:r>
               <a:rPr lang="en-US" sz="3200"/>
-              <a:t>Daksh Upadhyay</a:t>
-            </a:r>
-            <a:endParaRPr lang="en-US" sz="3200">
+              <a:t>Zalak </a:t>
+            </a:r>
+            <a:r>
+              <a:rPr lang="en-US" sz="3200" err="1"/>
+              <a:t>Vanodiya</a:t>
+            </a:r>
+            <a:endParaRPr lang="en-US" sz="3200" err="1">
               <a:cs typeface="Calibri"/>
             </a:endParaRPr>
           </a:p>
@@ -4459,7 +4415,7 @@
     </p:spTree>
     <p:extLst>
       <p:ext uri="{BB962C8B-B14F-4D97-AF65-F5344CB8AC3E}">
-        <p14:creationId xmlns:p14="http://schemas.microsoft.com/office/powerpoint/2010/main" val="2882723629"/>
+        <p14:creationId xmlns:p14="http://schemas.microsoft.com/office/powerpoint/2010/main" val="597905885"/>
       </p:ext>
     </p:extLst>
   </p:cSld>
@@ -4549,6 +4505,482 @@
         </p:spPr>
         <p:txBody>
           <a:bodyPr vert="horz" lIns="91440" tIns="45720" rIns="91440" bIns="45720" rtlCol="0" anchor="t">
+            <a:normAutofit fontScale="92500" lnSpcReduction="10000"/>
+          </a:bodyPr>
+          <a:lstStyle>
+            <a:lvl1pPr marL="228600" indent="-228600" algn="l" defTabSz="914400" rtl="0" eaLnBrk="1" latinLnBrk="0" hangingPunct="1">
+              <a:lnSpc>
+                <a:spcPct val="90000"/>
+              </a:lnSpc>
+              <a:spcBef>
+                <a:spcPts val="1000"/>
+              </a:spcBef>
+              <a:buFont typeface="Arial" panose="020B0604020202020204" pitchFamily="34" charset="0"/>
+              <a:buChar char="•"/>
+              <a:defRPr sz="2800" kern="1200">
+                <a:solidFill>
+                  <a:schemeClr val="tx1"/>
+                </a:solidFill>
+                <a:latin typeface="+mn-lt"/>
+                <a:ea typeface="+mn-ea"/>
+                <a:cs typeface="+mn-cs"/>
+              </a:defRPr>
+            </a:lvl1pPr>
+            <a:lvl2pPr marL="685800" indent="-228600" algn="l" defTabSz="914400" rtl="0" eaLnBrk="1" latinLnBrk="0" hangingPunct="1">
+              <a:lnSpc>
+                <a:spcPct val="90000"/>
+              </a:lnSpc>
+              <a:spcBef>
+                <a:spcPts val="500"/>
+              </a:spcBef>
+              <a:buFont typeface="Arial" panose="020B0604020202020204" pitchFamily="34" charset="0"/>
+              <a:buChar char="•"/>
+              <a:defRPr sz="2400" kern="1200">
+                <a:solidFill>
+                  <a:schemeClr val="tx1"/>
+                </a:solidFill>
+                <a:latin typeface="+mn-lt"/>
+                <a:ea typeface="+mn-ea"/>
+                <a:cs typeface="+mn-cs"/>
+              </a:defRPr>
+            </a:lvl2pPr>
+            <a:lvl3pPr marL="1143000" indent="-228600" algn="l" defTabSz="914400" rtl="0" eaLnBrk="1" latinLnBrk="0" hangingPunct="1">
+              <a:lnSpc>
+                <a:spcPct val="90000"/>
+              </a:lnSpc>
+              <a:spcBef>
+                <a:spcPts val="500"/>
+              </a:spcBef>
+              <a:buFont typeface="Arial" panose="020B0604020202020204" pitchFamily="34" charset="0"/>
+              <a:buChar char="•"/>
+              <a:defRPr sz="2000" kern="1200">
+                <a:solidFill>
+                  <a:schemeClr val="tx1"/>
+                </a:solidFill>
+                <a:latin typeface="+mn-lt"/>
+                <a:ea typeface="+mn-ea"/>
+                <a:cs typeface="+mn-cs"/>
+              </a:defRPr>
+            </a:lvl3pPr>
+            <a:lvl4pPr marL="1600200" indent="-228600" algn="l" defTabSz="914400" rtl="0" eaLnBrk="1" latinLnBrk="0" hangingPunct="1">
+              <a:lnSpc>
+                <a:spcPct val="90000"/>
+              </a:lnSpc>
+              <a:spcBef>
+                <a:spcPts val="500"/>
+              </a:spcBef>
+              <a:buFont typeface="Arial" panose="020B0604020202020204" pitchFamily="34" charset="0"/>
+              <a:buChar char="•"/>
+              <a:defRPr sz="1800" kern="1200">
+                <a:solidFill>
+                  <a:schemeClr val="tx1"/>
+                </a:solidFill>
+                <a:latin typeface="+mn-lt"/>
+                <a:ea typeface="+mn-ea"/>
+                <a:cs typeface="+mn-cs"/>
+              </a:defRPr>
+            </a:lvl4pPr>
+            <a:lvl5pPr marL="2057400" indent="-228600" algn="l" defTabSz="914400" rtl="0" eaLnBrk="1" latinLnBrk="0" hangingPunct="1">
+              <a:lnSpc>
+                <a:spcPct val="90000"/>
+              </a:lnSpc>
+              <a:spcBef>
+                <a:spcPts val="500"/>
+              </a:spcBef>
+              <a:buFont typeface="Arial" panose="020B0604020202020204" pitchFamily="34" charset="0"/>
+              <a:buChar char="•"/>
+              <a:defRPr sz="1800" kern="1200">
+                <a:solidFill>
+                  <a:schemeClr val="tx1"/>
+                </a:solidFill>
+                <a:latin typeface="+mn-lt"/>
+                <a:ea typeface="+mn-ea"/>
+                <a:cs typeface="+mn-cs"/>
+              </a:defRPr>
+            </a:lvl5pPr>
+            <a:lvl6pPr marL="2514600" indent="-228600" algn="l" defTabSz="914400" rtl="0" eaLnBrk="1" latinLnBrk="0" hangingPunct="1">
+              <a:lnSpc>
+                <a:spcPct val="90000"/>
+              </a:lnSpc>
+              <a:spcBef>
+                <a:spcPts val="500"/>
+              </a:spcBef>
+              <a:buFont typeface="Arial" panose="020B0604020202020204" pitchFamily="34" charset="0"/>
+              <a:buChar char="•"/>
+              <a:defRPr sz="1800" kern="1200">
+                <a:solidFill>
+                  <a:schemeClr val="tx1"/>
+                </a:solidFill>
+                <a:latin typeface="+mn-lt"/>
+                <a:ea typeface="+mn-ea"/>
+                <a:cs typeface="+mn-cs"/>
+              </a:defRPr>
+            </a:lvl6pPr>
+            <a:lvl7pPr marL="2971800" indent="-228600" algn="l" defTabSz="914400" rtl="0" eaLnBrk="1" latinLnBrk="0" hangingPunct="1">
+              <a:lnSpc>
+                <a:spcPct val="90000"/>
+              </a:lnSpc>
+              <a:spcBef>
+                <a:spcPts val="500"/>
+              </a:spcBef>
+              <a:buFont typeface="Arial" panose="020B0604020202020204" pitchFamily="34" charset="0"/>
+              <a:buChar char="•"/>
+              <a:defRPr sz="1800" kern="1200">
+                <a:solidFill>
+                  <a:schemeClr val="tx1"/>
+                </a:solidFill>
+                <a:latin typeface="+mn-lt"/>
+                <a:ea typeface="+mn-ea"/>
+                <a:cs typeface="+mn-cs"/>
+              </a:defRPr>
+            </a:lvl7pPr>
+            <a:lvl8pPr marL="3429000" indent="-228600" algn="l" defTabSz="914400" rtl="0" eaLnBrk="1" latinLnBrk="0" hangingPunct="1">
+              <a:lnSpc>
+                <a:spcPct val="90000"/>
+              </a:lnSpc>
+              <a:spcBef>
+                <a:spcPts val="500"/>
+              </a:spcBef>
+              <a:buFont typeface="Arial" panose="020B0604020202020204" pitchFamily="34" charset="0"/>
+              <a:buChar char="•"/>
+              <a:defRPr sz="1800" kern="1200">
+                <a:solidFill>
+                  <a:schemeClr val="tx1"/>
+                </a:solidFill>
+                <a:latin typeface="+mn-lt"/>
+                <a:ea typeface="+mn-ea"/>
+                <a:cs typeface="+mn-cs"/>
+              </a:defRPr>
+            </a:lvl8pPr>
+            <a:lvl9pPr marL="3886200" indent="-228600" algn="l" defTabSz="914400" rtl="0" eaLnBrk="1" latinLnBrk="0" hangingPunct="1">
+              <a:lnSpc>
+                <a:spcPct val="90000"/>
+              </a:lnSpc>
+              <a:spcBef>
+                <a:spcPts val="500"/>
+              </a:spcBef>
+              <a:buFont typeface="Arial" panose="020B0604020202020204" pitchFamily="34" charset="0"/>
+              <a:buChar char="•"/>
+              <a:defRPr sz="1800" kern="1200">
+                <a:solidFill>
+                  <a:schemeClr val="tx1"/>
+                </a:solidFill>
+                <a:latin typeface="+mn-lt"/>
+                <a:ea typeface="+mn-ea"/>
+                <a:cs typeface="+mn-cs"/>
+              </a:defRPr>
+            </a:lvl9pPr>
+          </a:lstStyle>
+          <a:p>
+            <a:r>
+              <a:rPr lang="en-US">
+                <a:cs typeface="Calibri"/>
+              </a:rPr>
+              <a:t>Initial react native project structure.</a:t>
+            </a:r>
+          </a:p>
+          <a:p>
+            <a:r>
+              <a:rPr lang="en-US">
+                <a:cs typeface="Calibri"/>
+              </a:rPr>
+              <a:t>Implemented Login &amp; Recipe detail screens.</a:t>
+            </a:r>
+            <a:endParaRPr lang="en-US"/>
+          </a:p>
+          <a:p>
+            <a:r>
+              <a:rPr lang="en-US">
+                <a:ea typeface="+mn-lt"/>
+                <a:cs typeface="+mn-lt"/>
+              </a:rPr>
+              <a:t>Coordinated with team for screen designs based on wireframes.</a:t>
+            </a:r>
+          </a:p>
+          <a:p>
+            <a:r>
+              <a:rPr lang="en-US">
+                <a:ea typeface="+mn-lt"/>
+                <a:cs typeface="+mn-lt"/>
+              </a:rPr>
+              <a:t>Setup firebase.</a:t>
+            </a:r>
+            <a:endParaRPr lang="en-US">
+              <a:cs typeface="Calibri"/>
+            </a:endParaRPr>
+          </a:p>
+          <a:p>
+            <a:r>
+              <a:rPr lang="en-US">
+                <a:cs typeface="Calibri"/>
+              </a:rPr>
+              <a:t>Implemented Constants, Firebase config &amp; User Utils.</a:t>
+            </a:r>
+          </a:p>
+          <a:p>
+            <a:r>
+              <a:rPr lang="en-US">
+                <a:cs typeface="Calibri"/>
+              </a:rPr>
+              <a:t>Implemented Stack navigation &amp; bottom tab navigation.</a:t>
+            </a:r>
+          </a:p>
+          <a:p>
+            <a:r>
+              <a:rPr lang="en-US">
+                <a:cs typeface="Calibri"/>
+              </a:rPr>
+              <a:t>Implemented Sign In with email &amp; password with firebase.</a:t>
+            </a:r>
+            <a:endParaRPr lang="en-US"/>
+          </a:p>
+          <a:p>
+            <a:r>
+              <a:rPr lang="en-US">
+                <a:cs typeface="Calibri"/>
+              </a:rPr>
+              <a:t>Implemented share functionality of recipe.</a:t>
+            </a:r>
+          </a:p>
+          <a:p>
+            <a:r>
+              <a:rPr lang="en-US">
+                <a:cs typeface="Calibri"/>
+              </a:rPr>
+              <a:t>Use Async storage for checking user is currently logged in or not.</a:t>
+            </a:r>
+          </a:p>
+        </p:txBody>
+      </p:sp>
+      <p:sp>
+        <p:nvSpPr>
+          <p:cNvPr id="5" name="TextBox 1">
+            <a:extLst>
+              <a:ext uri="{FF2B5EF4-FFF2-40B4-BE49-F238E27FC236}">
+                <a16:creationId xmlns:a16="http://schemas.microsoft.com/office/drawing/2014/main" id="{2448935E-2813-403C-B103-029120BE8662}"/>
+              </a:ext>
+            </a:extLst>
+          </p:cNvPr>
+          <p:cNvSpPr txBox="1"/>
+          <p:nvPr/>
+        </p:nvSpPr>
+        <p:spPr>
+          <a:xfrm>
+            <a:off x="8548778" y="6133380"/>
+            <a:ext cx="3519577" cy="584775"/>
+          </a:xfrm>
+          <a:prstGeom prst="rect">
+            <a:avLst/>
+          </a:prstGeom>
+          <a:noFill/>
+        </p:spPr>
+        <p:txBody>
+          <a:bodyPr rot="0" spcFirstLastPara="0" vert="horz" wrap="square" lIns="91440" tIns="45720" rIns="91440" bIns="45720" numCol="1" spcCol="0" rtlCol="0" fromWordArt="0" anchor="t" anchorCtr="0" forceAA="0" compatLnSpc="1">
+            <a:prstTxWarp prst="textNoShape">
+              <a:avLst/>
+            </a:prstTxWarp>
+            <a:spAutoFit/>
+          </a:bodyPr>
+          <a:lstStyle>
+            <a:defPPr>
+              <a:defRPr lang="en-US"/>
+            </a:defPPr>
+            <a:lvl1pPr marL="0" algn="l" defTabSz="914400" rtl="0" eaLnBrk="1" latinLnBrk="0" hangingPunct="1">
+              <a:defRPr sz="1800" kern="1200">
+                <a:solidFill>
+                  <a:schemeClr val="tx1"/>
+                </a:solidFill>
+                <a:latin typeface="+mn-lt"/>
+                <a:ea typeface="+mn-ea"/>
+                <a:cs typeface="+mn-cs"/>
+              </a:defRPr>
+            </a:lvl1pPr>
+            <a:lvl2pPr marL="457200" algn="l" defTabSz="914400" rtl="0" eaLnBrk="1" latinLnBrk="0" hangingPunct="1">
+              <a:defRPr sz="1800" kern="1200">
+                <a:solidFill>
+                  <a:schemeClr val="tx1"/>
+                </a:solidFill>
+                <a:latin typeface="+mn-lt"/>
+                <a:ea typeface="+mn-ea"/>
+                <a:cs typeface="+mn-cs"/>
+              </a:defRPr>
+            </a:lvl2pPr>
+            <a:lvl3pPr marL="914400" algn="l" defTabSz="914400" rtl="0" eaLnBrk="1" latinLnBrk="0" hangingPunct="1">
+              <a:defRPr sz="1800" kern="1200">
+                <a:solidFill>
+                  <a:schemeClr val="tx1"/>
+                </a:solidFill>
+                <a:latin typeface="+mn-lt"/>
+                <a:ea typeface="+mn-ea"/>
+                <a:cs typeface="+mn-cs"/>
+              </a:defRPr>
+            </a:lvl3pPr>
+            <a:lvl4pPr marL="1371600" algn="l" defTabSz="914400" rtl="0" eaLnBrk="1" latinLnBrk="0" hangingPunct="1">
+              <a:defRPr sz="1800" kern="1200">
+                <a:solidFill>
+                  <a:schemeClr val="tx1"/>
+                </a:solidFill>
+                <a:latin typeface="+mn-lt"/>
+                <a:ea typeface="+mn-ea"/>
+                <a:cs typeface="+mn-cs"/>
+              </a:defRPr>
+            </a:lvl4pPr>
+            <a:lvl5pPr marL="1828800" algn="l" defTabSz="914400" rtl="0" eaLnBrk="1" latinLnBrk="0" hangingPunct="1">
+              <a:defRPr sz="1800" kern="1200">
+                <a:solidFill>
+                  <a:schemeClr val="tx1"/>
+                </a:solidFill>
+                <a:latin typeface="+mn-lt"/>
+                <a:ea typeface="+mn-ea"/>
+                <a:cs typeface="+mn-cs"/>
+              </a:defRPr>
+            </a:lvl5pPr>
+            <a:lvl6pPr marL="2286000" algn="l" defTabSz="914400" rtl="0" eaLnBrk="1" latinLnBrk="0" hangingPunct="1">
+              <a:defRPr sz="1800" kern="1200">
+                <a:solidFill>
+                  <a:schemeClr val="tx1"/>
+                </a:solidFill>
+                <a:latin typeface="+mn-lt"/>
+                <a:ea typeface="+mn-ea"/>
+                <a:cs typeface="+mn-cs"/>
+              </a:defRPr>
+            </a:lvl6pPr>
+            <a:lvl7pPr marL="2743200" algn="l" defTabSz="914400" rtl="0" eaLnBrk="1" latinLnBrk="0" hangingPunct="1">
+              <a:defRPr sz="1800" kern="1200">
+                <a:solidFill>
+                  <a:schemeClr val="tx1"/>
+                </a:solidFill>
+                <a:latin typeface="+mn-lt"/>
+                <a:ea typeface="+mn-ea"/>
+                <a:cs typeface="+mn-cs"/>
+              </a:defRPr>
+            </a:lvl7pPr>
+            <a:lvl8pPr marL="3200400" algn="l" defTabSz="914400" rtl="0" eaLnBrk="1" latinLnBrk="0" hangingPunct="1">
+              <a:defRPr sz="1800" kern="1200">
+                <a:solidFill>
+                  <a:schemeClr val="tx1"/>
+                </a:solidFill>
+                <a:latin typeface="+mn-lt"/>
+                <a:ea typeface="+mn-ea"/>
+                <a:cs typeface="+mn-cs"/>
+              </a:defRPr>
+            </a:lvl8pPr>
+            <a:lvl9pPr marL="3657600" algn="l" defTabSz="914400" rtl="0" eaLnBrk="1" latinLnBrk="0" hangingPunct="1">
+              <a:defRPr sz="1800" kern="1200">
+                <a:solidFill>
+                  <a:schemeClr val="tx1"/>
+                </a:solidFill>
+                <a:latin typeface="+mn-lt"/>
+                <a:ea typeface="+mn-ea"/>
+                <a:cs typeface="+mn-cs"/>
+              </a:defRPr>
+            </a:lvl9pPr>
+          </a:lstStyle>
+          <a:p>
+            <a:pPr lvl="1" algn="ctr"/>
+            <a:r>
+              <a:rPr lang="en-US" sz="3200"/>
+              <a:t>Daksh Upadhyay</a:t>
+            </a:r>
+            <a:endParaRPr lang="en-US" sz="3200">
+              <a:cs typeface="Calibri"/>
+            </a:endParaRPr>
+          </a:p>
+        </p:txBody>
+      </p:sp>
+    </p:spTree>
+    <p:extLst>
+      <p:ext uri="{BB962C8B-B14F-4D97-AF65-F5344CB8AC3E}">
+        <p14:creationId xmlns:p14="http://schemas.microsoft.com/office/powerpoint/2010/main" val="2882723629"/>
+      </p:ext>
+    </p:extLst>
+  </p:cSld>
+  <p:clrMapOvr>
+    <a:masterClrMapping/>
+  </p:clrMapOvr>
+</p:sld>
+</file>
+
+<file path=ppt/slides/slide6.xml><?xml version="1.0" encoding="utf-8"?>
+<p:sld xmlns:a="http://schemas.openxmlformats.org/drawingml/2006/main" xmlns:r="http://schemas.openxmlformats.org/officeDocument/2006/relationships" xmlns:p="http://schemas.openxmlformats.org/presentationml/2006/main">
+  <p:cSld>
+    <p:spTree>
+      <p:nvGrpSpPr>
+        <p:cNvPr id="1" name=""/>
+        <p:cNvGrpSpPr/>
+        <p:nvPr/>
+      </p:nvGrpSpPr>
+      <p:grpSpPr>
+        <a:xfrm>
+          <a:off x="0" y="0"/>
+          <a:ext cx="0" cy="0"/>
+          <a:chOff x="0" y="0"/>
+          <a:chExt cx="0" cy="0"/>
+        </a:xfrm>
+      </p:grpSpPr>
+      <p:sp>
+        <p:nvSpPr>
+          <p:cNvPr id="2" name="Title 1">
+            <a:extLst>
+              <a:ext uri="{FF2B5EF4-FFF2-40B4-BE49-F238E27FC236}">
+                <a16:creationId xmlns:a16="http://schemas.microsoft.com/office/drawing/2014/main" id="{E9417F06-38F3-4E91-8453-29BADB4091E7}"/>
+              </a:ext>
+            </a:extLst>
+          </p:cNvPr>
+          <p:cNvSpPr>
+            <a:spLocks noGrp="1"/>
+          </p:cNvSpPr>
+          <p:nvPr>
+            <p:ph type="title"/>
+          </p:nvPr>
+        </p:nvSpPr>
+        <p:spPr/>
+        <p:txBody>
+          <a:bodyPr/>
+          <a:lstStyle/>
+          <a:p>
+            <a:r>
+              <a:rPr lang="en-US">
+                <a:cs typeface="Calibri Light"/>
+              </a:rPr>
+              <a:t>Role : </a:t>
+            </a:r>
+            <a:r>
+              <a:rPr lang="en-US">
+                <a:ea typeface="+mj-lt"/>
+                <a:cs typeface="+mj-lt"/>
+              </a:rPr>
+              <a:t>Team Member</a:t>
+            </a:r>
+            <a:endParaRPr lang="en-US"/>
+          </a:p>
+        </p:txBody>
+      </p:sp>
+      <p:sp>
+        <p:nvSpPr>
+          <p:cNvPr id="4" name="Content Placeholder 2">
+            <a:extLst>
+              <a:ext uri="{FF2B5EF4-FFF2-40B4-BE49-F238E27FC236}">
+                <a16:creationId xmlns:a16="http://schemas.microsoft.com/office/drawing/2014/main" id="{008897AF-27F6-421F-8276-7B384D34C5E9}"/>
+              </a:ext>
+            </a:extLst>
+          </p:cNvPr>
+          <p:cNvSpPr>
+            <a:spLocks noGrp="1"/>
+          </p:cNvSpPr>
+          <p:nvPr/>
+        </p:nvSpPr>
+        <p:spPr>
+          <a:xfrm>
+            <a:off x="838200" y="1638719"/>
+            <a:ext cx="10961298" cy="4006281"/>
+          </a:xfrm>
+          <a:prstGeom prst="rect">
+            <a:avLst/>
+          </a:prstGeom>
+        </p:spPr>
+        <p:txBody>
+          <a:bodyPr vert="horz" lIns="91440" tIns="45720" rIns="91440" bIns="45720" rtlCol="0" anchor="t">
             <a:normAutofit/>
           </a:bodyPr>
           <a:lstStyle>
@@ -4898,7 +5330,7 @@
 </p:sld>
 </file>
 
-<file path=ppt/slides/slide6.xml><?xml version="1.0" encoding="utf-8"?>
+<file path=ppt/slides/slide7.xml><?xml version="1.0" encoding="utf-8"?>
 <p:sld xmlns:a="http://schemas.openxmlformats.org/drawingml/2006/main" xmlns:r="http://schemas.openxmlformats.org/officeDocument/2006/relationships" xmlns:p="http://schemas.openxmlformats.org/presentationml/2006/main">
   <p:cSld>
     <p:spTree>
@@ -5275,592 +5707,10 @@
           </a:prstGeom>
         </p:spPr>
       </p:pic>
-      <p:sp>
-        <p:nvSpPr>
-          <p:cNvPr id="18" name="TextBox 17">
-            <a:extLst>
-              <a:ext uri="{FF2B5EF4-FFF2-40B4-BE49-F238E27FC236}">
-                <a16:creationId xmlns:a16="http://schemas.microsoft.com/office/drawing/2014/main" id="{7F10864E-E1F8-4E45-B4F6-B65D3ED63E9B}"/>
-              </a:ext>
-            </a:extLst>
-          </p:cNvPr>
-          <p:cNvSpPr txBox="1"/>
-          <p:nvPr/>
-        </p:nvSpPr>
-        <p:spPr>
-          <a:xfrm>
-            <a:off x="8548778" y="6133380"/>
-            <a:ext cx="3519577" cy="584775"/>
-          </a:xfrm>
-          <a:prstGeom prst="rect">
-            <a:avLst/>
-          </a:prstGeom>
-          <a:noFill/>
-        </p:spPr>
-        <p:txBody>
-          <a:bodyPr rot="0" spcFirstLastPara="0" vert="horz" wrap="square" lIns="91440" tIns="45720" rIns="91440" bIns="45720" numCol="1" spcCol="0" rtlCol="0" fromWordArt="0" anchor="t" anchorCtr="0" forceAA="0" compatLnSpc="1">
-            <a:prstTxWarp prst="textNoShape">
-              <a:avLst/>
-            </a:prstTxWarp>
-            <a:spAutoFit/>
-          </a:bodyPr>
-          <a:lstStyle>
-            <a:defPPr>
-              <a:defRPr lang="en-US"/>
-            </a:defPPr>
-            <a:lvl1pPr marL="0" algn="l" defTabSz="914400" rtl="0" eaLnBrk="1" latinLnBrk="0" hangingPunct="1">
-              <a:defRPr sz="1800" kern="1200">
-                <a:solidFill>
-                  <a:schemeClr val="tx1"/>
-                </a:solidFill>
-                <a:latin typeface="+mn-lt"/>
-                <a:ea typeface="+mn-ea"/>
-                <a:cs typeface="+mn-cs"/>
-              </a:defRPr>
-            </a:lvl1pPr>
-            <a:lvl2pPr marL="457200" algn="l" defTabSz="914400" rtl="0" eaLnBrk="1" latinLnBrk="0" hangingPunct="1">
-              <a:defRPr sz="1800" kern="1200">
-                <a:solidFill>
-                  <a:schemeClr val="tx1"/>
-                </a:solidFill>
-                <a:latin typeface="+mn-lt"/>
-                <a:ea typeface="+mn-ea"/>
-                <a:cs typeface="+mn-cs"/>
-              </a:defRPr>
-            </a:lvl2pPr>
-            <a:lvl3pPr marL="914400" algn="l" defTabSz="914400" rtl="0" eaLnBrk="1" latinLnBrk="0" hangingPunct="1">
-              <a:defRPr sz="1800" kern="1200">
-                <a:solidFill>
-                  <a:schemeClr val="tx1"/>
-                </a:solidFill>
-                <a:latin typeface="+mn-lt"/>
-                <a:ea typeface="+mn-ea"/>
-                <a:cs typeface="+mn-cs"/>
-              </a:defRPr>
-            </a:lvl3pPr>
-            <a:lvl4pPr marL="1371600" algn="l" defTabSz="914400" rtl="0" eaLnBrk="1" latinLnBrk="0" hangingPunct="1">
-              <a:defRPr sz="1800" kern="1200">
-                <a:solidFill>
-                  <a:schemeClr val="tx1"/>
-                </a:solidFill>
-                <a:latin typeface="+mn-lt"/>
-                <a:ea typeface="+mn-ea"/>
-                <a:cs typeface="+mn-cs"/>
-              </a:defRPr>
-            </a:lvl4pPr>
-            <a:lvl5pPr marL="1828800" algn="l" defTabSz="914400" rtl="0" eaLnBrk="1" latinLnBrk="0" hangingPunct="1">
-              <a:defRPr sz="1800" kern="1200">
-                <a:solidFill>
-                  <a:schemeClr val="tx1"/>
-                </a:solidFill>
-                <a:latin typeface="+mn-lt"/>
-                <a:ea typeface="+mn-ea"/>
-                <a:cs typeface="+mn-cs"/>
-              </a:defRPr>
-            </a:lvl5pPr>
-            <a:lvl6pPr marL="2286000" algn="l" defTabSz="914400" rtl="0" eaLnBrk="1" latinLnBrk="0" hangingPunct="1">
-              <a:defRPr sz="1800" kern="1200">
-                <a:solidFill>
-                  <a:schemeClr val="tx1"/>
-                </a:solidFill>
-                <a:latin typeface="+mn-lt"/>
-                <a:ea typeface="+mn-ea"/>
-                <a:cs typeface="+mn-cs"/>
-              </a:defRPr>
-            </a:lvl6pPr>
-            <a:lvl7pPr marL="2743200" algn="l" defTabSz="914400" rtl="0" eaLnBrk="1" latinLnBrk="0" hangingPunct="1">
-              <a:defRPr sz="1800" kern="1200">
-                <a:solidFill>
-                  <a:schemeClr val="tx1"/>
-                </a:solidFill>
-                <a:latin typeface="+mn-lt"/>
-                <a:ea typeface="+mn-ea"/>
-                <a:cs typeface="+mn-cs"/>
-              </a:defRPr>
-            </a:lvl7pPr>
-            <a:lvl8pPr marL="3200400" algn="l" defTabSz="914400" rtl="0" eaLnBrk="1" latinLnBrk="0" hangingPunct="1">
-              <a:defRPr sz="1800" kern="1200">
-                <a:solidFill>
-                  <a:schemeClr val="tx1"/>
-                </a:solidFill>
-                <a:latin typeface="+mn-lt"/>
-                <a:ea typeface="+mn-ea"/>
-                <a:cs typeface="+mn-cs"/>
-              </a:defRPr>
-            </a:lvl8pPr>
-            <a:lvl9pPr marL="3657600" algn="l" defTabSz="914400" rtl="0" eaLnBrk="1" latinLnBrk="0" hangingPunct="1">
-              <a:defRPr sz="1800" kern="1200">
-                <a:solidFill>
-                  <a:schemeClr val="tx1"/>
-                </a:solidFill>
-                <a:latin typeface="+mn-lt"/>
-                <a:ea typeface="+mn-ea"/>
-                <a:cs typeface="+mn-cs"/>
-              </a:defRPr>
-            </a:lvl9pPr>
-          </a:lstStyle>
-          <a:p>
-            <a:pPr lvl="1" algn="ctr"/>
-            <a:r>
-              <a:rPr lang="en-US" sz="3200"/>
-              <a:t>Daljit Singh</a:t>
-            </a:r>
-            <a:endParaRPr lang="en-US" sz="3200">
-              <a:cs typeface="Calibri"/>
-            </a:endParaRPr>
-          </a:p>
-        </p:txBody>
-      </p:sp>
     </p:spTree>
     <p:extLst>
       <p:ext uri="{BB962C8B-B14F-4D97-AF65-F5344CB8AC3E}">
         <p14:creationId xmlns:p14="http://schemas.microsoft.com/office/powerpoint/2010/main" val="3986075915"/>
-      </p:ext>
-    </p:extLst>
-  </p:cSld>
-  <p:clrMapOvr>
-    <a:masterClrMapping/>
-  </p:clrMapOvr>
-</p:sld>
-</file>
-
-<file path=ppt/slides/slide7.xml><?xml version="1.0" encoding="utf-8"?>
-<p:sld xmlns:a="http://schemas.openxmlformats.org/drawingml/2006/main" xmlns:r="http://schemas.openxmlformats.org/officeDocument/2006/relationships" xmlns:p="http://schemas.openxmlformats.org/presentationml/2006/main">
-  <p:cSld>
-    <p:spTree>
-      <p:nvGrpSpPr>
-        <p:cNvPr id="1" name=""/>
-        <p:cNvGrpSpPr/>
-        <p:nvPr/>
-      </p:nvGrpSpPr>
-      <p:grpSpPr>
-        <a:xfrm>
-          <a:off x="0" y="0"/>
-          <a:ext cx="0" cy="0"/>
-          <a:chOff x="0" y="0"/>
-          <a:chExt cx="0" cy="0"/>
-        </a:xfrm>
-      </p:grpSpPr>
-      <p:sp>
-        <p:nvSpPr>
-          <p:cNvPr id="2" name="Title 1">
-            <a:extLst>
-              <a:ext uri="{FF2B5EF4-FFF2-40B4-BE49-F238E27FC236}">
-                <a16:creationId xmlns:a16="http://schemas.microsoft.com/office/drawing/2014/main" id="{E9417F06-38F3-4E91-8453-29BADB4091E7}"/>
-              </a:ext>
-            </a:extLst>
-          </p:cNvPr>
-          <p:cNvSpPr>
-            <a:spLocks noGrp="1"/>
-          </p:cNvSpPr>
-          <p:nvPr>
-            <p:ph type="title"/>
-          </p:nvPr>
-        </p:nvSpPr>
-        <p:spPr/>
-        <p:txBody>
-          <a:bodyPr/>
-          <a:lstStyle/>
-          <a:p>
-            <a:r>
-              <a:rPr lang="en-US">
-                <a:cs typeface="Calibri Light"/>
-              </a:rPr>
-              <a:t>Role : </a:t>
-            </a:r>
-            <a:r>
-              <a:rPr lang="en-US">
-                <a:ea typeface="+mj-lt"/>
-                <a:cs typeface="+mj-lt"/>
-              </a:rPr>
-              <a:t>Team Member</a:t>
-            </a:r>
-            <a:endParaRPr lang="en-US"/>
-          </a:p>
-        </p:txBody>
-      </p:sp>
-      <p:sp>
-        <p:nvSpPr>
-          <p:cNvPr id="4" name="Content Placeholder 2">
-            <a:extLst>
-              <a:ext uri="{FF2B5EF4-FFF2-40B4-BE49-F238E27FC236}">
-                <a16:creationId xmlns:a16="http://schemas.microsoft.com/office/drawing/2014/main" id="{008897AF-27F6-421F-8276-7B384D34C5E9}"/>
-              </a:ext>
-            </a:extLst>
-          </p:cNvPr>
-          <p:cNvSpPr>
-            <a:spLocks noGrp="1"/>
-          </p:cNvSpPr>
-          <p:nvPr/>
-        </p:nvSpPr>
-        <p:spPr>
-          <a:xfrm>
-            <a:off x="838200" y="1638719"/>
-            <a:ext cx="10961298" cy="4006281"/>
-          </a:xfrm>
-          <a:prstGeom prst="rect">
-            <a:avLst/>
-          </a:prstGeom>
-        </p:spPr>
-        <p:txBody>
-          <a:bodyPr vert="horz" lIns="91440" tIns="45720" rIns="91440" bIns="45720" rtlCol="0" anchor="t">
-            <a:normAutofit/>
-          </a:bodyPr>
-          <a:lstStyle>
-            <a:lvl1pPr marL="228600" indent="-228600" algn="l" defTabSz="914400" rtl="0" eaLnBrk="1" latinLnBrk="0" hangingPunct="1">
-              <a:lnSpc>
-                <a:spcPct val="90000"/>
-              </a:lnSpc>
-              <a:spcBef>
-                <a:spcPts val="1000"/>
-              </a:spcBef>
-              <a:buFont typeface="Arial" panose="020B0604020202020204" pitchFamily="34" charset="0"/>
-              <a:buChar char="•"/>
-              <a:defRPr sz="2800" kern="1200">
-                <a:solidFill>
-                  <a:schemeClr val="tx1"/>
-                </a:solidFill>
-                <a:latin typeface="+mn-lt"/>
-                <a:ea typeface="+mn-ea"/>
-                <a:cs typeface="+mn-cs"/>
-              </a:defRPr>
-            </a:lvl1pPr>
-            <a:lvl2pPr marL="685800" indent="-228600" algn="l" defTabSz="914400" rtl="0" eaLnBrk="1" latinLnBrk="0" hangingPunct="1">
-              <a:lnSpc>
-                <a:spcPct val="90000"/>
-              </a:lnSpc>
-              <a:spcBef>
-                <a:spcPts val="500"/>
-              </a:spcBef>
-              <a:buFont typeface="Arial" panose="020B0604020202020204" pitchFamily="34" charset="0"/>
-              <a:buChar char="•"/>
-              <a:defRPr sz="2400" kern="1200">
-                <a:solidFill>
-                  <a:schemeClr val="tx1"/>
-                </a:solidFill>
-                <a:latin typeface="+mn-lt"/>
-                <a:ea typeface="+mn-ea"/>
-                <a:cs typeface="+mn-cs"/>
-              </a:defRPr>
-            </a:lvl2pPr>
-            <a:lvl3pPr marL="1143000" indent="-228600" algn="l" defTabSz="914400" rtl="0" eaLnBrk="1" latinLnBrk="0" hangingPunct="1">
-              <a:lnSpc>
-                <a:spcPct val="90000"/>
-              </a:lnSpc>
-              <a:spcBef>
-                <a:spcPts val="500"/>
-              </a:spcBef>
-              <a:buFont typeface="Arial" panose="020B0604020202020204" pitchFamily="34" charset="0"/>
-              <a:buChar char="•"/>
-              <a:defRPr sz="2000" kern="1200">
-                <a:solidFill>
-                  <a:schemeClr val="tx1"/>
-                </a:solidFill>
-                <a:latin typeface="+mn-lt"/>
-                <a:ea typeface="+mn-ea"/>
-                <a:cs typeface="+mn-cs"/>
-              </a:defRPr>
-            </a:lvl3pPr>
-            <a:lvl4pPr marL="1600200" indent="-228600" algn="l" defTabSz="914400" rtl="0" eaLnBrk="1" latinLnBrk="0" hangingPunct="1">
-              <a:lnSpc>
-                <a:spcPct val="90000"/>
-              </a:lnSpc>
-              <a:spcBef>
-                <a:spcPts val="500"/>
-              </a:spcBef>
-              <a:buFont typeface="Arial" panose="020B0604020202020204" pitchFamily="34" charset="0"/>
-              <a:buChar char="•"/>
-              <a:defRPr sz="1800" kern="1200">
-                <a:solidFill>
-                  <a:schemeClr val="tx1"/>
-                </a:solidFill>
-                <a:latin typeface="+mn-lt"/>
-                <a:ea typeface="+mn-ea"/>
-                <a:cs typeface="+mn-cs"/>
-              </a:defRPr>
-            </a:lvl4pPr>
-            <a:lvl5pPr marL="2057400" indent="-228600" algn="l" defTabSz="914400" rtl="0" eaLnBrk="1" latinLnBrk="0" hangingPunct="1">
-              <a:lnSpc>
-                <a:spcPct val="90000"/>
-              </a:lnSpc>
-              <a:spcBef>
-                <a:spcPts val="500"/>
-              </a:spcBef>
-              <a:buFont typeface="Arial" panose="020B0604020202020204" pitchFamily="34" charset="0"/>
-              <a:buChar char="•"/>
-              <a:defRPr sz="1800" kern="1200">
-                <a:solidFill>
-                  <a:schemeClr val="tx1"/>
-                </a:solidFill>
-                <a:latin typeface="+mn-lt"/>
-                <a:ea typeface="+mn-ea"/>
-                <a:cs typeface="+mn-cs"/>
-              </a:defRPr>
-            </a:lvl5pPr>
-            <a:lvl6pPr marL="2514600" indent="-228600" algn="l" defTabSz="914400" rtl="0" eaLnBrk="1" latinLnBrk="0" hangingPunct="1">
-              <a:lnSpc>
-                <a:spcPct val="90000"/>
-              </a:lnSpc>
-              <a:spcBef>
-                <a:spcPts val="500"/>
-              </a:spcBef>
-              <a:buFont typeface="Arial" panose="020B0604020202020204" pitchFamily="34" charset="0"/>
-              <a:buChar char="•"/>
-              <a:defRPr sz="1800" kern="1200">
-                <a:solidFill>
-                  <a:schemeClr val="tx1"/>
-                </a:solidFill>
-                <a:latin typeface="+mn-lt"/>
-                <a:ea typeface="+mn-ea"/>
-                <a:cs typeface="+mn-cs"/>
-              </a:defRPr>
-            </a:lvl6pPr>
-            <a:lvl7pPr marL="2971800" indent="-228600" algn="l" defTabSz="914400" rtl="0" eaLnBrk="1" latinLnBrk="0" hangingPunct="1">
-              <a:lnSpc>
-                <a:spcPct val="90000"/>
-              </a:lnSpc>
-              <a:spcBef>
-                <a:spcPts val="500"/>
-              </a:spcBef>
-              <a:buFont typeface="Arial" panose="020B0604020202020204" pitchFamily="34" charset="0"/>
-              <a:buChar char="•"/>
-              <a:defRPr sz="1800" kern="1200">
-                <a:solidFill>
-                  <a:schemeClr val="tx1"/>
-                </a:solidFill>
-                <a:latin typeface="+mn-lt"/>
-                <a:ea typeface="+mn-ea"/>
-                <a:cs typeface="+mn-cs"/>
-              </a:defRPr>
-            </a:lvl7pPr>
-            <a:lvl8pPr marL="3429000" indent="-228600" algn="l" defTabSz="914400" rtl="0" eaLnBrk="1" latinLnBrk="0" hangingPunct="1">
-              <a:lnSpc>
-                <a:spcPct val="90000"/>
-              </a:lnSpc>
-              <a:spcBef>
-                <a:spcPts val="500"/>
-              </a:spcBef>
-              <a:buFont typeface="Arial" panose="020B0604020202020204" pitchFamily="34" charset="0"/>
-              <a:buChar char="•"/>
-              <a:defRPr sz="1800" kern="1200">
-                <a:solidFill>
-                  <a:schemeClr val="tx1"/>
-                </a:solidFill>
-                <a:latin typeface="+mn-lt"/>
-                <a:ea typeface="+mn-ea"/>
-                <a:cs typeface="+mn-cs"/>
-              </a:defRPr>
-            </a:lvl8pPr>
-            <a:lvl9pPr marL="3886200" indent="-228600" algn="l" defTabSz="914400" rtl="0" eaLnBrk="1" latinLnBrk="0" hangingPunct="1">
-              <a:lnSpc>
-                <a:spcPct val="90000"/>
-              </a:lnSpc>
-              <a:spcBef>
-                <a:spcPts val="500"/>
-              </a:spcBef>
-              <a:buFont typeface="Arial" panose="020B0604020202020204" pitchFamily="34" charset="0"/>
-              <a:buChar char="•"/>
-              <a:defRPr sz="1800" kern="1200">
-                <a:solidFill>
-                  <a:schemeClr val="tx1"/>
-                </a:solidFill>
-                <a:latin typeface="+mn-lt"/>
-                <a:ea typeface="+mn-ea"/>
-                <a:cs typeface="+mn-cs"/>
-              </a:defRPr>
-            </a:lvl9pPr>
-          </a:lstStyle>
-          <a:p>
-            <a:r>
-              <a:rPr lang="en-US">
-                <a:cs typeface="Calibri"/>
-              </a:rPr>
-              <a:t>Developed Login credentials and validation in the project</a:t>
-            </a:r>
-          </a:p>
-          <a:p>
-            <a:r>
-              <a:rPr lang="en-US">
-                <a:cs typeface="Calibri"/>
-              </a:rPr>
-              <a:t>Designed screens for Login</a:t>
-            </a:r>
-          </a:p>
-          <a:p>
-            <a:r>
-              <a:rPr lang="en-US">
-                <a:cs typeface="Calibri"/>
-              </a:rPr>
-              <a:t>Merged all screens.</a:t>
-            </a:r>
-          </a:p>
-          <a:p>
-            <a:r>
-              <a:rPr lang="en-US">
-                <a:ea typeface="+mn-lt"/>
-                <a:cs typeface="+mn-lt"/>
-              </a:rPr>
-              <a:t>Implemented Validation on all Text Fields.</a:t>
-            </a:r>
-            <a:endParaRPr lang="en-US">
-              <a:cs typeface="Calibri"/>
-            </a:endParaRPr>
-          </a:p>
-          <a:p>
-            <a:r>
-              <a:rPr lang="en-US">
-                <a:cs typeface="Calibri"/>
-              </a:rPr>
-              <a:t>Collaborated in coding and checking for validation errors.</a:t>
-            </a:r>
-          </a:p>
-          <a:p>
-            <a:endParaRPr lang="en-US">
-              <a:cs typeface="Calibri"/>
-            </a:endParaRPr>
-          </a:p>
-        </p:txBody>
-      </p:sp>
-      <p:sp>
-        <p:nvSpPr>
-          <p:cNvPr id="5" name="TextBox 1">
-            <a:extLst>
-              <a:ext uri="{FF2B5EF4-FFF2-40B4-BE49-F238E27FC236}">
-                <a16:creationId xmlns:a16="http://schemas.microsoft.com/office/drawing/2014/main" id="{2448935E-2813-403C-B103-029120BE8662}"/>
-              </a:ext>
-            </a:extLst>
-          </p:cNvPr>
-          <p:cNvSpPr txBox="1"/>
-          <p:nvPr/>
-        </p:nvSpPr>
-        <p:spPr>
-          <a:xfrm>
-            <a:off x="8002439" y="6133380"/>
-            <a:ext cx="4065916" cy="584775"/>
-          </a:xfrm>
-          <a:prstGeom prst="rect">
-            <a:avLst/>
-          </a:prstGeom>
-          <a:noFill/>
-        </p:spPr>
-        <p:txBody>
-          <a:bodyPr rot="0" spcFirstLastPara="0" vert="horz" wrap="square" lIns="91440" tIns="45720" rIns="91440" bIns="45720" numCol="1" spcCol="0" rtlCol="0" fromWordArt="0" anchor="t" anchorCtr="0" forceAA="0" compatLnSpc="1">
-            <a:prstTxWarp prst="textNoShape">
-              <a:avLst/>
-            </a:prstTxWarp>
-            <a:spAutoFit/>
-          </a:bodyPr>
-          <a:lstStyle>
-            <a:defPPr>
-              <a:defRPr lang="en-US"/>
-            </a:defPPr>
-            <a:lvl1pPr marL="0" algn="l" defTabSz="914400" rtl="0" eaLnBrk="1" latinLnBrk="0" hangingPunct="1">
-              <a:defRPr sz="1800" kern="1200">
-                <a:solidFill>
-                  <a:schemeClr val="tx1"/>
-                </a:solidFill>
-                <a:latin typeface="+mn-lt"/>
-                <a:ea typeface="+mn-ea"/>
-                <a:cs typeface="+mn-cs"/>
-              </a:defRPr>
-            </a:lvl1pPr>
-            <a:lvl2pPr marL="457200" algn="l" defTabSz="914400" rtl="0" eaLnBrk="1" latinLnBrk="0" hangingPunct="1">
-              <a:defRPr sz="1800" kern="1200">
-                <a:solidFill>
-                  <a:schemeClr val="tx1"/>
-                </a:solidFill>
-                <a:latin typeface="+mn-lt"/>
-                <a:ea typeface="+mn-ea"/>
-                <a:cs typeface="+mn-cs"/>
-              </a:defRPr>
-            </a:lvl2pPr>
-            <a:lvl3pPr marL="914400" algn="l" defTabSz="914400" rtl="0" eaLnBrk="1" latinLnBrk="0" hangingPunct="1">
-              <a:defRPr sz="1800" kern="1200">
-                <a:solidFill>
-                  <a:schemeClr val="tx1"/>
-                </a:solidFill>
-                <a:latin typeface="+mn-lt"/>
-                <a:ea typeface="+mn-ea"/>
-                <a:cs typeface="+mn-cs"/>
-              </a:defRPr>
-            </a:lvl3pPr>
-            <a:lvl4pPr marL="1371600" algn="l" defTabSz="914400" rtl="0" eaLnBrk="1" latinLnBrk="0" hangingPunct="1">
-              <a:defRPr sz="1800" kern="1200">
-                <a:solidFill>
-                  <a:schemeClr val="tx1"/>
-                </a:solidFill>
-                <a:latin typeface="+mn-lt"/>
-                <a:ea typeface="+mn-ea"/>
-                <a:cs typeface="+mn-cs"/>
-              </a:defRPr>
-            </a:lvl4pPr>
-            <a:lvl5pPr marL="1828800" algn="l" defTabSz="914400" rtl="0" eaLnBrk="1" latinLnBrk="0" hangingPunct="1">
-              <a:defRPr sz="1800" kern="1200">
-                <a:solidFill>
-                  <a:schemeClr val="tx1"/>
-                </a:solidFill>
-                <a:latin typeface="+mn-lt"/>
-                <a:ea typeface="+mn-ea"/>
-                <a:cs typeface="+mn-cs"/>
-              </a:defRPr>
-            </a:lvl5pPr>
-            <a:lvl6pPr marL="2286000" algn="l" defTabSz="914400" rtl="0" eaLnBrk="1" latinLnBrk="0" hangingPunct="1">
-              <a:defRPr sz="1800" kern="1200">
-                <a:solidFill>
-                  <a:schemeClr val="tx1"/>
-                </a:solidFill>
-                <a:latin typeface="+mn-lt"/>
-                <a:ea typeface="+mn-ea"/>
-                <a:cs typeface="+mn-cs"/>
-              </a:defRPr>
-            </a:lvl6pPr>
-            <a:lvl7pPr marL="2743200" algn="l" defTabSz="914400" rtl="0" eaLnBrk="1" latinLnBrk="0" hangingPunct="1">
-              <a:defRPr sz="1800" kern="1200">
-                <a:solidFill>
-                  <a:schemeClr val="tx1"/>
-                </a:solidFill>
-                <a:latin typeface="+mn-lt"/>
-                <a:ea typeface="+mn-ea"/>
-                <a:cs typeface="+mn-cs"/>
-              </a:defRPr>
-            </a:lvl7pPr>
-            <a:lvl8pPr marL="3200400" algn="l" defTabSz="914400" rtl="0" eaLnBrk="1" latinLnBrk="0" hangingPunct="1">
-              <a:defRPr sz="1800" kern="1200">
-                <a:solidFill>
-                  <a:schemeClr val="tx1"/>
-                </a:solidFill>
-                <a:latin typeface="+mn-lt"/>
-                <a:ea typeface="+mn-ea"/>
-                <a:cs typeface="+mn-cs"/>
-              </a:defRPr>
-            </a:lvl8pPr>
-            <a:lvl9pPr marL="3657600" algn="l" defTabSz="914400" rtl="0" eaLnBrk="1" latinLnBrk="0" hangingPunct="1">
-              <a:defRPr sz="1800" kern="1200">
-                <a:solidFill>
-                  <a:schemeClr val="tx1"/>
-                </a:solidFill>
-                <a:latin typeface="+mn-lt"/>
-                <a:ea typeface="+mn-ea"/>
-                <a:cs typeface="+mn-cs"/>
-              </a:defRPr>
-            </a:lvl9pPr>
-          </a:lstStyle>
-          <a:p>
-            <a:pPr lvl="1" algn="ctr"/>
-            <a:r>
-              <a:rPr lang="en-US" sz="3200"/>
-              <a:t>Akshay Kondapalli</a:t>
-            </a:r>
-            <a:endParaRPr lang="en-US" sz="3200">
-              <a:cs typeface="Calibri"/>
-            </a:endParaRPr>
-          </a:p>
-        </p:txBody>
-      </p:sp>
-    </p:spTree>
-    <p:extLst>
-      <p:ext uri="{BB962C8B-B14F-4D97-AF65-F5344CB8AC3E}">
-        <p14:creationId xmlns:p14="http://schemas.microsoft.com/office/powerpoint/2010/main" val="3868307454"/>
       </p:ext>
     </p:extLst>
   </p:cSld>
@@ -6121,7 +5971,7 @@
               <a:rPr lang="en-US">
                 <a:cs typeface="Calibri"/>
               </a:rPr>
-              <a:t>Contributed to creating and preparing "STRUCTURE" layer final documentation.</a:t>
+              <a:t>Developed Login credentials and validation in the project</a:t>
             </a:r>
           </a:p>
           <a:p>
@@ -6129,7 +5979,7 @@
               <a:rPr lang="en-US">
                 <a:cs typeface="Calibri"/>
               </a:rPr>
-              <a:t>Designed screens like Home and Recipe details.</a:t>
+              <a:t>Designed screens for Login</a:t>
             </a:r>
           </a:p>
           <a:p>
@@ -6137,16 +5987,33 @@
               <a:rPr lang="en-US">
                 <a:cs typeface="Calibri"/>
               </a:rPr>
-              <a:t>Merged all adobe designs of other members and created one single file.</a:t>
-            </a:r>
+              <a:t>Merged all screens.</a:t>
+            </a:r>
+          </a:p>
+          <a:p>
+            <a:r>
+              <a:rPr lang="en-US">
+                <a:ea typeface="+mn-lt"/>
+                <a:cs typeface="+mn-lt"/>
+              </a:rPr>
+              <a:t>Implemented Validation on all Text Fields.</a:t>
+            </a:r>
+            <a:endParaRPr lang="en-US">
+              <a:cs typeface="Calibri"/>
+            </a:endParaRPr>
           </a:p>
           <a:p>
             <a:r>
               <a:rPr lang="en-US">
                 <a:cs typeface="Calibri"/>
               </a:rPr>
-              <a:t>Implementation of home and detail screen.</a:t>
-            </a:r>
+              <a:t>Collaborated in coding and checking for validation errors.</a:t>
+            </a:r>
+          </a:p>
+          <a:p>
+            <a:endParaRPr lang="en-US">
+              <a:cs typeface="Calibri"/>
+            </a:endParaRPr>
           </a:p>
         </p:txBody>
       </p:sp>
@@ -6164,8 +6031,8 @@
         </p:nvSpPr>
         <p:spPr>
           <a:xfrm>
-            <a:off x="8548778" y="6133380"/>
-            <a:ext cx="3519577" cy="584775"/>
+            <a:off x="8002439" y="6133380"/>
+            <a:ext cx="4065916" cy="584775"/>
           </a:xfrm>
           <a:prstGeom prst="rect">
             <a:avLst/>
@@ -6278,7 +6145,7 @@
             <a:pPr lvl="1" algn="ctr"/>
             <a:r>
               <a:rPr lang="en-US" sz="3200"/>
-              <a:t>Sanket Patel</a:t>
+              <a:t>Akshay Kondapalli</a:t>
             </a:r>
             <a:endParaRPr lang="en-US" sz="3200">
               <a:cs typeface="Calibri"/>
@@ -6289,7 +6156,7 @@
     </p:spTree>
     <p:extLst>
       <p:ext uri="{BB962C8B-B14F-4D97-AF65-F5344CB8AC3E}">
-        <p14:creationId xmlns:p14="http://schemas.microsoft.com/office/powerpoint/2010/main" val="3722939913"/>
+        <p14:creationId xmlns:p14="http://schemas.microsoft.com/office/powerpoint/2010/main" val="3868307454"/>
       </p:ext>
     </p:extLst>
   </p:cSld>
@@ -6341,7 +6208,14 @@
               <a:rPr lang="en-US">
                 <a:cs typeface="Calibri Light"/>
               </a:rPr>
-              <a:t>Role : Team Member</a:t>
+              <a:t>Role : </a:t>
+            </a:r>
+            <a:r>
+              <a:rPr lang="en-US">
+                <a:ea typeface="+mj-lt"/>
+                <a:cs typeface="+mj-lt"/>
+              </a:rPr>
+              <a:t>Team Member</a:t>
             </a:r>
             <a:endParaRPr lang="en-US"/>
           </a:p>
@@ -6543,38 +6417,32 @@
               <a:rPr lang="en-US">
                 <a:cs typeface="Calibri"/>
               </a:rPr>
-              <a:t>Implemented favorite screen as Home screen.</a:t>
+              <a:t>Contributed to creating and preparing "STRUCTURE" layer final documentation.</a:t>
             </a:r>
           </a:p>
           <a:p>
             <a:r>
               <a:rPr lang="en-US">
-                <a:ea typeface="+mn-lt"/>
-                <a:cs typeface="+mn-lt"/>
+                <a:cs typeface="Calibri"/>
               </a:rPr>
-              <a:t>Contributed to creating and preparing “STRUCTURE” layer final documentation.</a:t>
+              <a:t>Designed screens like Home and Recipe details.</a:t>
             </a:r>
           </a:p>
           <a:p>
             <a:r>
               <a:rPr lang="en-US">
-                <a:ea typeface="+mn-lt"/>
-                <a:cs typeface="+mn-lt"/>
+                <a:cs typeface="Calibri"/>
               </a:rPr>
-              <a:t>Prepare presentation.</a:t>
+              <a:t>Merged all adobe designs of other members and created one single file.</a:t>
             </a:r>
           </a:p>
           <a:p>
             <a:r>
               <a:rPr lang="en-US">
-                <a:ea typeface="+mn-lt"/>
-                <a:cs typeface="+mn-lt"/>
+                <a:cs typeface="Calibri"/>
               </a:rPr>
-              <a:t>Proofread of document.</a:t>
-            </a:r>
-            <a:endParaRPr lang="en-US">
-              <a:cs typeface="Calibri"/>
-            </a:endParaRPr>
+              <a:t>Implementation of home and detail screen.</a:t>
+            </a:r>
           </a:p>
         </p:txBody>
       </p:sp>
@@ -6592,8 +6460,8 @@
         </p:nvSpPr>
         <p:spPr>
           <a:xfrm>
-            <a:off x="6492816" y="6133380"/>
-            <a:ext cx="5575539" cy="584775"/>
+            <a:off x="8548778" y="6133380"/>
+            <a:ext cx="3519577" cy="584775"/>
           </a:xfrm>
           <a:prstGeom prst="rect">
             <a:avLst/>
@@ -6703,16 +6571,12 @@
             </a:lvl9pPr>
           </a:lstStyle>
           <a:p>
-            <a:pPr lvl="1" algn="r"/>
+            <a:pPr lvl="1" algn="ctr"/>
             <a:r>
               <a:rPr lang="en-US" sz="3200"/>
-              <a:t>Zalak </a:t>
-            </a:r>
-            <a:r>
-              <a:rPr lang="en-US" sz="3200" err="1"/>
-              <a:t>Vanodiya</a:t>
-            </a:r>
-            <a:endParaRPr lang="en-US" sz="3200" err="1">
+              <a:t>Sanket Patel</a:t>
+            </a:r>
+            <a:endParaRPr lang="en-US" sz="3200">
               <a:cs typeface="Calibri"/>
             </a:endParaRPr>
           </a:p>
@@ -6721,7 +6585,7 @@
     </p:spTree>
     <p:extLst>
       <p:ext uri="{BB962C8B-B14F-4D97-AF65-F5344CB8AC3E}">
-        <p14:creationId xmlns:p14="http://schemas.microsoft.com/office/powerpoint/2010/main" val="597905885"/>
+        <p14:creationId xmlns:p14="http://schemas.microsoft.com/office/powerpoint/2010/main" val="3722939913"/>
       </p:ext>
     </p:extLst>
   </p:cSld>
